--- a/Conceptual Presentation/CONCEPTUAL_BerkayPArt.pptx
+++ b/Conceptual Presentation/CONCEPTUAL_BerkayPArt.pptx
@@ -301,7 +301,7 @@
           <a:p>
             <a:fld id="{8CCDE46A-1B00-4233-BF7F-A8763E2B659C}" type="datetimeFigureOut">
               <a:rPr lang="en-US" smtClean="0"/>
-              <a:t>26-Dec-18</a:t>
+              <a:t>27-Dec-18</a:t>
             </a:fld>
             <a:endParaRPr lang="en-US"/>
           </a:p>
@@ -499,7 +499,7 @@
           <a:p>
             <a:fld id="{8CCDE46A-1B00-4233-BF7F-A8763E2B659C}" type="datetimeFigureOut">
               <a:rPr lang="en-US" smtClean="0"/>
-              <a:t>26-Dec-18</a:t>
+              <a:t>27-Dec-18</a:t>
             </a:fld>
             <a:endParaRPr lang="en-US"/>
           </a:p>
@@ -707,7 +707,7 @@
           <a:p>
             <a:fld id="{8CCDE46A-1B00-4233-BF7F-A8763E2B659C}" type="datetimeFigureOut">
               <a:rPr lang="en-US" smtClean="0"/>
-              <a:t>26-Dec-18</a:t>
+              <a:t>27-Dec-18</a:t>
             </a:fld>
             <a:endParaRPr lang="en-US"/>
           </a:p>
@@ -905,7 +905,7 @@
           <a:p>
             <a:fld id="{8CCDE46A-1B00-4233-BF7F-A8763E2B659C}" type="datetimeFigureOut">
               <a:rPr lang="en-US" smtClean="0"/>
-              <a:t>26-Dec-18</a:t>
+              <a:t>27-Dec-18</a:t>
             </a:fld>
             <a:endParaRPr lang="en-US"/>
           </a:p>
@@ -1180,7 +1180,7 @@
           <a:p>
             <a:fld id="{8CCDE46A-1B00-4233-BF7F-A8763E2B659C}" type="datetimeFigureOut">
               <a:rPr lang="en-US" smtClean="0"/>
-              <a:t>26-Dec-18</a:t>
+              <a:t>27-Dec-18</a:t>
             </a:fld>
             <a:endParaRPr lang="en-US"/>
           </a:p>
@@ -1445,7 +1445,7 @@
           <a:p>
             <a:fld id="{8CCDE46A-1B00-4233-BF7F-A8763E2B659C}" type="datetimeFigureOut">
               <a:rPr lang="en-US" smtClean="0"/>
-              <a:t>26-Dec-18</a:t>
+              <a:t>27-Dec-18</a:t>
             </a:fld>
             <a:endParaRPr lang="en-US"/>
           </a:p>
@@ -1857,7 +1857,7 @@
           <a:p>
             <a:fld id="{8CCDE46A-1B00-4233-BF7F-A8763E2B659C}" type="datetimeFigureOut">
               <a:rPr lang="en-US" smtClean="0"/>
-              <a:t>26-Dec-18</a:t>
+              <a:t>27-Dec-18</a:t>
             </a:fld>
             <a:endParaRPr lang="en-US"/>
           </a:p>
@@ -1998,7 +1998,7 @@
           <a:p>
             <a:fld id="{8CCDE46A-1B00-4233-BF7F-A8763E2B659C}" type="datetimeFigureOut">
               <a:rPr lang="en-US" smtClean="0"/>
-              <a:t>26-Dec-18</a:t>
+              <a:t>27-Dec-18</a:t>
             </a:fld>
             <a:endParaRPr lang="en-US"/>
           </a:p>
@@ -2111,7 +2111,7 @@
           <a:p>
             <a:fld id="{8CCDE46A-1B00-4233-BF7F-A8763E2B659C}" type="datetimeFigureOut">
               <a:rPr lang="en-US" smtClean="0"/>
-              <a:t>26-Dec-18</a:t>
+              <a:t>27-Dec-18</a:t>
             </a:fld>
             <a:endParaRPr lang="en-US"/>
           </a:p>
@@ -2422,7 +2422,7 @@
           <a:p>
             <a:fld id="{8CCDE46A-1B00-4233-BF7F-A8763E2B659C}" type="datetimeFigureOut">
               <a:rPr lang="en-US" smtClean="0"/>
-              <a:t>26-Dec-18</a:t>
+              <a:t>27-Dec-18</a:t>
             </a:fld>
             <a:endParaRPr lang="en-US"/>
           </a:p>
@@ -2710,7 +2710,7 @@
           <a:p>
             <a:fld id="{8CCDE46A-1B00-4233-BF7F-A8763E2B659C}" type="datetimeFigureOut">
               <a:rPr lang="en-US" smtClean="0"/>
-              <a:t>26-Dec-18</a:t>
+              <a:t>27-Dec-18</a:t>
             </a:fld>
             <a:endParaRPr lang="en-US"/>
           </a:p>
@@ -2951,7 +2951,7 @@
           <a:p>
             <a:fld id="{8CCDE46A-1B00-4233-BF7F-A8763E2B659C}" type="datetimeFigureOut">
               <a:rPr lang="en-US" smtClean="0"/>
-              <a:t>26-Dec-18</a:t>
+              <a:t>27-Dec-18</a:t>
             </a:fld>
             <a:endParaRPr lang="en-US"/>
           </a:p>
@@ -4005,7 +4005,7 @@
         </p:spPr>
         <p:txBody>
           <a:bodyPr>
-            <a:normAutofit/>
+            <a:normAutofit fontScale="90000"/>
           </a:bodyPr>
           <a:lstStyle/>
           <a:p>
@@ -4042,7 +4042,66 @@
                 <a:cs typeface="Calibri"/>
                 <a:sym typeface="Calibri"/>
               </a:rPr>
-              <a:t>Flow Chart</a:t>
+              <a:t>Flow </a:t>
+            </a:r>
+            <a:r>
+              <a:rPr lang="tr-TR" b="1" dirty="0" smtClean="0">
+                <a:solidFill>
+                  <a:schemeClr val="dk1"/>
+                </a:solidFill>
+                <a:latin typeface="Calibri"/>
+                <a:ea typeface="Calibri"/>
+                <a:cs typeface="Calibri"/>
+                <a:sym typeface="Calibri"/>
+              </a:rPr>
+              <a:t>Chart</a:t>
+            </a:r>
+            <a:r>
+              <a:rPr lang="en-US" b="1" dirty="0">
+                <a:solidFill>
+                  <a:schemeClr val="dk1"/>
+                </a:solidFill>
+                <a:latin typeface="Calibri"/>
+                <a:ea typeface="Calibri"/>
+                <a:cs typeface="Calibri"/>
+                <a:sym typeface="Calibri"/>
+              </a:rPr>
+              <a:t/>
+            </a:r>
+            <a:br>
+              <a:rPr lang="en-US" b="1" dirty="0">
+                <a:solidFill>
+                  <a:schemeClr val="dk1"/>
+                </a:solidFill>
+                <a:latin typeface="Calibri"/>
+                <a:ea typeface="Calibri"/>
+                <a:cs typeface="Calibri"/>
+                <a:sym typeface="Calibri"/>
+              </a:rPr>
+            </a:br>
+            <a:r>
+              <a:rPr lang="en-US" b="1" dirty="0">
+                <a:solidFill>
+                  <a:schemeClr val="dk1"/>
+                </a:solidFill>
+                <a:latin typeface="Calibri"/>
+                <a:ea typeface="Calibri"/>
+                <a:cs typeface="Calibri"/>
+                <a:sym typeface="Calibri"/>
+              </a:rPr>
+              <a:t>Shooting Subsystem</a:t>
+            </a:r>
+            <a:r>
+              <a:rPr lang="tr-TR" b="1" dirty="0">
+                <a:solidFill>
+                  <a:schemeClr val="dk1"/>
+                </a:solidFill>
+                <a:latin typeface="Calibri"/>
+                <a:ea typeface="Calibri"/>
+                <a:cs typeface="Calibri"/>
+                <a:sym typeface="Calibri"/>
+              </a:rPr>
+              <a:t/>
             </a:r>
             <a:br>
               <a:rPr lang="tr-TR" b="1" dirty="0">
@@ -4102,18 +4161,6 @@
                 <a:sym typeface="Calibri"/>
               </a:rPr>
             </a:br>
-            <a:r>
-              <a:rPr lang="en-US" b="1" dirty="0" smtClean="0">
-                <a:solidFill>
-                  <a:schemeClr val="dk1"/>
-                </a:solidFill>
-                <a:latin typeface="Calibri"/>
-                <a:ea typeface="Calibri"/>
-                <a:cs typeface="Calibri"/>
-                <a:sym typeface="Calibri"/>
-              </a:rPr>
-              <a:t>Shooting Subsystem</a:t>
-            </a:r>
             <a:endParaRPr lang="en-US" dirty="0"/>
           </a:p>
         </p:txBody>
@@ -5643,14 +5690,6 @@
               </a:rPr>
               <a:t>Subsystem</a:t>
             </a:r>
-            <a:endParaRPr lang="en-US" sz="4000" b="1" dirty="0" smtClean="0">
-              <a:solidFill>
-                <a:schemeClr val="dk1"/>
-              </a:solidFill>
-              <a:ea typeface="Calibri"/>
-              <a:cs typeface="Calibri"/>
-              <a:sym typeface="Calibri"/>
-            </a:endParaRPr>
           </a:p>
           <a:p>
             <a:pPr marL="0" lvl="0" indent="0">
@@ -5713,18 +5752,7 @@
                 <a:cs typeface="Calibri"/>
                 <a:sym typeface="Calibri"/>
               </a:rPr>
-              <a:t>Main Processor </a:t>
-            </a:r>
-            <a:r>
-              <a:rPr lang="en-US" sz="4000" b="1" dirty="0" smtClean="0">
-                <a:solidFill>
-                  <a:schemeClr val="dk1"/>
-                </a:solidFill>
-                <a:ea typeface="Calibri"/>
-                <a:cs typeface="Calibri"/>
-                <a:sym typeface="Calibri"/>
-              </a:rPr>
-              <a:t>Subsystem</a:t>
+              <a:t>Main Processor Subsystem</a:t>
             </a:r>
             <a:endParaRPr lang="en-US" sz="4000" dirty="0"/>
           </a:p>
@@ -7620,7 +7648,6 @@
               <a:rPr lang="en-US" sz="4000" dirty="0"/>
               <a:t>Low Cost</a:t>
             </a:r>
-            <a:endParaRPr lang="en-US" sz="4000" dirty="0"/>
           </a:p>
         </p:txBody>
       </p:sp>
